--- a/docs/chap12_slide.pptx
+++ b/docs/chap12_slide.pptx
@@ -4114,13 +4114,6 @@
               <a:rPr/>
               <a:t>12.5 多个总体的方差齐性检验</a:t>
             </a:r>
-          </a:p>
-          <a:p>
-            <a:pPr lvl="0"/>
-            <a:r>
-              <a:rPr/>
-              <a:t>12.5.1 Levene检验的思想</a:t>
-            </a:r>
             <a:br/>
           </a:p>
         </p:txBody>
@@ -4360,55 +4353,6 @@
                                           <p:spTgt spid="3">
                                             <p:txEl>
                                               <p:pRg st="4" end="4"/>
-                                            </p:txEl>
-                                          </p:spTgt>
-                                        </p:tgtEl>
-                                        <p:attrNameLst>
-                                          <p:attrName>style.visibility</p:attrName>
-                                        </p:attrNameLst>
-                                      </p:cBhvr>
-                                      <p:to>
-                                        <p:strVal val="visible"/>
-                                      </p:to>
-                                    </p:set>
-                                  </p:childTnLst>
-                                </p:cTn>
-                              </p:par>
-                            </p:childTnLst>
-                          </p:cTn>
-                        </p:par>
-                      </p:childTnLst>
-                    </p:cTn>
-                  </p:par>
-                  <p:par>
-                    <p:cTn id="23" fill="hold">
-                      <p:stCondLst>
-                        <p:cond delay="indefinite"/>
-                      </p:stCondLst>
-                      <p:childTnLst>
-                        <p:par>
-                          <p:cTn id="24" fill="hold">
-                            <p:stCondLst>
-                              <p:cond delay="0"/>
-                            </p:stCondLst>
-                            <p:childTnLst>
-                              <p:par>
-                                <p:cTn id="25" presetID="1" presetClass="entr" presetSubtype="0" fill="hold" grpId="0" nodeType="clickEffect">
-                                  <p:stCondLst>
-                                    <p:cond delay="0"/>
-                                  </p:stCondLst>
-                                  <p:childTnLst>
-                                    <p:set>
-                                      <p:cBhvr>
-                                        <p:cTn id="26" dur="1" fill="hold">
-                                          <p:stCondLst>
-                                            <p:cond delay="0"/>
-                                          </p:stCondLst>
-                                        </p:cTn>
-                                        <p:tgtEl>
-                                          <p:spTgt spid="3">
-                                            <p:txEl>
-                                              <p:pRg st="5" end="5"/>
                                             </p:txEl>
                                           </p:spTgt>
                                         </p:tgtEl>
